--- a/Prezentace/1_Uvod_do_R_Markdownu.pptx
+++ b/Prezentace/1_Uvod_do_R_Markdownu.pptx
@@ -299,7 +299,7 @@
               <a:pPr>
                 <a:defRPr/>
               </a:pPr>
-              <a:t>05.06.2024</a:t>
+              <a:t>06.06.2024</a:t>
             </a:fld>
             <a:endParaRPr lang="cs-CZ"/>
           </a:p>
@@ -5075,7 +5075,7 @@
               <a:pPr>
                 <a:defRPr/>
               </a:pPr>
-              <a:t>05.06.2024</a:t>
+              <a:t>06.06.2024</a:t>
             </a:fld>
             <a:endParaRPr lang="cs-CZ"/>
           </a:p>
@@ -7478,6 +7478,117 @@
       </p:sp>
       <p:sp>
         <p:nvSpPr>
+          <p:cNvPr id="2" name="TextBox 1">
+            <a:extLst>
+              <a:ext uri="{FF2B5EF4-FFF2-40B4-BE49-F238E27FC236}">
+                <a16:creationId xmlns:a16="http://schemas.microsoft.com/office/drawing/2014/main" id="{8109F87D-80C2-F76E-BBF8-30B24A1EE45F}"/>
+              </a:ext>
+            </a:extLst>
+          </p:cNvPr>
+          <p:cNvSpPr txBox="1"/>
+          <p:nvPr/>
+        </p:nvSpPr>
+        <p:spPr>
+          <a:xfrm>
+            <a:off x="444500" y="1126771"/>
+            <a:ext cx="10399208" cy="1569660"/>
+          </a:xfrm>
+          <a:prstGeom prst="rect">
+            <a:avLst/>
+          </a:prstGeom>
+          <a:noFill/>
+        </p:spPr>
+        <p:txBody>
+          <a:bodyPr wrap="square" rtlCol="0">
+            <a:spAutoFit/>
+          </a:bodyPr>
+          <a:lstStyle/>
+          <a:p>
+            <a:pPr lvl="1">
+              <a:spcAft>
+                <a:spcPts val="0"/>
+              </a:spcAft>
+            </a:pPr>
+            <a:r>
+              <a:rPr lang="cs-CZ" sz="3200" b="0" dirty="0">
+                <a:highlight>
+                  <a:srgbClr val="00FFFF"/>
+                </a:highlight>
+              </a:rPr>
+              <a:t>```{r }</a:t>
+            </a:r>
+          </a:p>
+          <a:p>
+            <a:pPr lvl="1">
+              <a:spcAft>
+                <a:spcPts val="0"/>
+              </a:spcAft>
+            </a:pPr>
+            <a:r>
+              <a:rPr lang="cs-CZ" sz="3200" b="0" dirty="0">
+                <a:highlight>
+                  <a:srgbClr val="00FFFF"/>
+                </a:highlight>
+              </a:rPr>
+              <a:t>plot(</a:t>
+            </a:r>
+            <a:r>
+              <a:rPr lang="cs-CZ" sz="3200" b="0" dirty="0" err="1">
+                <a:highlight>
+                  <a:srgbClr val="00FFFF"/>
+                </a:highlight>
+              </a:rPr>
+              <a:t>mtcars$cyl</a:t>
+            </a:r>
+            <a:r>
+              <a:rPr lang="cs-CZ" sz="3200" b="0" dirty="0">
+                <a:highlight>
+                  <a:srgbClr val="00FFFF"/>
+                </a:highlight>
+              </a:rPr>
+              <a:t>, </a:t>
+            </a:r>
+            <a:r>
+              <a:rPr lang="cs-CZ" sz="3200" b="0" dirty="0" err="1">
+                <a:highlight>
+                  <a:srgbClr val="00FFFF"/>
+                </a:highlight>
+              </a:rPr>
+              <a:t>mtcars$mpg</a:t>
+            </a:r>
+            <a:r>
+              <a:rPr lang="cs-CZ" sz="3200" b="0" dirty="0">
+                <a:highlight>
+                  <a:srgbClr val="00FFFF"/>
+                </a:highlight>
+              </a:rPr>
+              <a:t>)</a:t>
+            </a:r>
+          </a:p>
+          <a:p>
+            <a:pPr lvl="1">
+              <a:spcAft>
+                <a:spcPts val="0"/>
+              </a:spcAft>
+            </a:pPr>
+            <a:r>
+              <a:rPr lang="cs-CZ" sz="3200" b="0" dirty="0">
+                <a:highlight>
+                  <a:srgbClr val="00FFFF"/>
+                </a:highlight>
+              </a:rPr>
+              <a:t>```</a:t>
+            </a:r>
+            <a:endParaRPr lang="en-US" sz="3200" b="0" dirty="0">
+              <a:highlight>
+                <a:srgbClr val="00FFFF"/>
+              </a:highlight>
+            </a:endParaRPr>
+          </a:p>
+        </p:txBody>
+      </p:sp>
+      <p:sp>
+        <p:nvSpPr>
           <p:cNvPr id="3" name="TextBox 2">
             <a:extLst>
               <a:ext uri="{FF2B5EF4-FFF2-40B4-BE49-F238E27FC236}">
@@ -7514,117 +7625,6 @@
           </a:p>
           <a:p>
             <a:endParaRPr lang="cs-CZ" sz="1000" b="0" dirty="0"/>
-          </a:p>
-        </p:txBody>
-      </p:sp>
-      <p:sp>
-        <p:nvSpPr>
-          <p:cNvPr id="2" name="TextBox 1">
-            <a:extLst>
-              <a:ext uri="{FF2B5EF4-FFF2-40B4-BE49-F238E27FC236}">
-                <a16:creationId xmlns:a16="http://schemas.microsoft.com/office/drawing/2014/main" id="{8109F87D-80C2-F76E-BBF8-30B24A1EE45F}"/>
-              </a:ext>
-            </a:extLst>
-          </p:cNvPr>
-          <p:cNvSpPr txBox="1"/>
-          <p:nvPr/>
-        </p:nvSpPr>
-        <p:spPr>
-          <a:xfrm>
-            <a:off x="444500" y="1126771"/>
-            <a:ext cx="10399208" cy="1569660"/>
-          </a:xfrm>
-          <a:prstGeom prst="rect">
-            <a:avLst/>
-          </a:prstGeom>
-          <a:noFill/>
-        </p:spPr>
-        <p:txBody>
-          <a:bodyPr wrap="square" rtlCol="0">
-            <a:spAutoFit/>
-          </a:bodyPr>
-          <a:lstStyle/>
-          <a:p>
-            <a:pPr lvl="1">
-              <a:spcAft>
-                <a:spcPts val="0"/>
-              </a:spcAft>
-            </a:pPr>
-            <a:r>
-              <a:rPr lang="cs-CZ" sz="3200" b="0" dirty="0">
-                <a:highlight>
-                  <a:srgbClr val="00FFFF"/>
-                </a:highlight>
-              </a:rPr>
-              <a:t>```{r }</a:t>
-            </a:r>
-          </a:p>
-          <a:p>
-            <a:pPr lvl="1">
-              <a:spcAft>
-                <a:spcPts val="0"/>
-              </a:spcAft>
-            </a:pPr>
-            <a:r>
-              <a:rPr lang="cs-CZ" sz="3200" b="0" dirty="0">
-                <a:highlight>
-                  <a:srgbClr val="00FFFF"/>
-                </a:highlight>
-              </a:rPr>
-              <a:t>plot(</a:t>
-            </a:r>
-            <a:r>
-              <a:rPr lang="cs-CZ" sz="3200" b="0" dirty="0" err="1">
-                <a:highlight>
-                  <a:srgbClr val="00FFFF"/>
-                </a:highlight>
-              </a:rPr>
-              <a:t>mtcars$cyl</a:t>
-            </a:r>
-            <a:r>
-              <a:rPr lang="cs-CZ" sz="3200" b="0" dirty="0">
-                <a:highlight>
-                  <a:srgbClr val="00FFFF"/>
-                </a:highlight>
-              </a:rPr>
-              <a:t>, </a:t>
-            </a:r>
-            <a:r>
-              <a:rPr lang="cs-CZ" sz="3200" b="0" dirty="0" err="1">
-                <a:highlight>
-                  <a:srgbClr val="00FFFF"/>
-                </a:highlight>
-              </a:rPr>
-              <a:t>mtcars$mpg</a:t>
-            </a:r>
-            <a:r>
-              <a:rPr lang="cs-CZ" sz="3200" b="0" dirty="0">
-                <a:highlight>
-                  <a:srgbClr val="00FFFF"/>
-                </a:highlight>
-              </a:rPr>
-              <a:t>)</a:t>
-            </a:r>
-          </a:p>
-          <a:p>
-            <a:pPr lvl="1">
-              <a:spcAft>
-                <a:spcPts val="0"/>
-              </a:spcAft>
-            </a:pPr>
-            <a:r>
-              <a:rPr lang="cs-CZ" sz="3200" b="0" dirty="0">
-                <a:highlight>
-                  <a:srgbClr val="00FFFF"/>
-                </a:highlight>
-              </a:rPr>
-              <a:t>```</a:t>
-            </a:r>
-            <a:endParaRPr lang="en-US" sz="3200" b="0" dirty="0">
-              <a:highlight>
-                <a:srgbClr val="00FFFF"/>
-              </a:highlight>
-            </a:endParaRPr>
           </a:p>
         </p:txBody>
       </p:sp>
@@ -7787,7 +7787,7 @@
         <p:spPr>
           <a:xfrm>
             <a:off x="444500" y="1126771"/>
-            <a:ext cx="10399208" cy="584775"/>
+            <a:ext cx="10399208" cy="3046988"/>
           </a:xfrm>
           <a:prstGeom prst="rect">
             <a:avLst/>
@@ -7807,6 +7807,17 @@
             </a:pPr>
             <a:r>
               <a:rPr lang="cs-CZ" sz="3200" b="0" dirty="0"/>
+              <a:t>```{r }</a:t>
+            </a:r>
+          </a:p>
+          <a:p>
+            <a:pPr lvl="1">
+              <a:spcAft>
+                <a:spcPts val="0"/>
+              </a:spcAft>
+            </a:pPr>
+            <a:r>
+              <a:rPr lang="cs-CZ" sz="3200" b="0" dirty="0"/>
               <a:t>```{r </a:t>
             </a:r>
             <a:r>
@@ -7815,12 +7826,79 @@
                   <a:srgbClr val="00FFFF"/>
                 </a:highlight>
               </a:rPr>
-              <a:t>jméno, vlastnosti</a:t>
+              <a:t>jméno</a:t>
             </a:r>
             <a:r>
               <a:rPr lang="cs-CZ" sz="3200" b="0" dirty="0"/>
               <a:t>}</a:t>
             </a:r>
+          </a:p>
+          <a:p>
+            <a:pPr lvl="1">
+              <a:spcAft>
+                <a:spcPts val="0"/>
+              </a:spcAft>
+            </a:pPr>
+            <a:r>
+              <a:rPr lang="cs-CZ" sz="3200" b="0" dirty="0"/>
+              <a:t>```{</a:t>
+            </a:r>
+            <a:r>
+              <a:rPr lang="cs-CZ" sz="3200" b="0"/>
+              <a:t>r </a:t>
+            </a:r>
+            <a:r>
+              <a:rPr lang="cs-CZ" sz="3200" b="0">
+                <a:highlight>
+                  <a:srgbClr val="00FFFF"/>
+                </a:highlight>
+              </a:rPr>
+              <a:t>jméno, vlastnosti[, vlastnosti]</a:t>
+            </a:r>
+            <a:r>
+              <a:rPr lang="cs-CZ" sz="3200" b="0"/>
+              <a:t>}</a:t>
+            </a:r>
+            <a:endParaRPr lang="cs-CZ" sz="3200" b="0" dirty="0"/>
+          </a:p>
+          <a:p>
+            <a:pPr lvl="1">
+              <a:spcAft>
+                <a:spcPts val="0"/>
+              </a:spcAft>
+            </a:pPr>
+            <a:r>
+              <a:rPr lang="cs-CZ" sz="3200" b="0" dirty="0"/>
+              <a:t>```{r </a:t>
+            </a:r>
+            <a:r>
+              <a:rPr lang="cs-CZ" sz="3200" b="0" dirty="0">
+                <a:highlight>
+                  <a:srgbClr val="00FFFF"/>
+                </a:highlight>
+              </a:rPr>
+              <a:t>vlastnosti[, vlastnosti]</a:t>
+            </a:r>
+            <a:r>
+              <a:rPr lang="cs-CZ" sz="3200" b="0" dirty="0"/>
+              <a:t>}</a:t>
+            </a:r>
+          </a:p>
+          <a:p>
+            <a:pPr lvl="1">
+              <a:spcAft>
+                <a:spcPts val="0"/>
+              </a:spcAft>
+            </a:pPr>
+            <a:endParaRPr lang="cs-CZ" sz="3200" b="0" dirty="0"/>
+          </a:p>
+          <a:p>
+            <a:pPr lvl="1">
+              <a:spcAft>
+                <a:spcPts val="0"/>
+              </a:spcAft>
+            </a:pPr>
+            <a:endParaRPr lang="cs-CZ" sz="3200" b="0" dirty="0"/>
           </a:p>
         </p:txBody>
       </p:sp>
@@ -7838,8 +7916,8 @@
         </p:nvSpPr>
         <p:spPr>
           <a:xfrm>
-            <a:off x="444500" y="2159505"/>
-            <a:ext cx="10399208" cy="4570482"/>
+            <a:off x="444500" y="3052389"/>
+            <a:ext cx="10399208" cy="4031873"/>
           </a:xfrm>
           <a:prstGeom prst="rect">
             <a:avLst/>
@@ -7854,7 +7932,7 @@
           <a:p>
             <a:pPr marL="914400" lvl="1" indent="-457200">
               <a:spcAft>
-                <a:spcPts val="600"/>
+                <a:spcPts val="0"/>
               </a:spcAft>
               <a:buFont typeface="Courier New" panose="02070309020205020404" pitchFamily="49" charset="0"/>
               <a:buChar char="o"/>
@@ -7871,7 +7949,7 @@
           <a:p>
             <a:pPr marL="1371600" lvl="2" indent="-457200">
               <a:spcAft>
-                <a:spcPts val="600"/>
+                <a:spcPts val="0"/>
               </a:spcAft>
               <a:buFont typeface="Courier New" panose="02070309020205020404" pitchFamily="49" charset="0"/>
               <a:buChar char="o"/>
@@ -7884,7 +7962,7 @@
           <a:p>
             <a:pPr marL="914400" lvl="1" indent="-457200">
               <a:spcAft>
-                <a:spcPts val="600"/>
+                <a:spcPts val="0"/>
               </a:spcAft>
               <a:buFont typeface="Courier New" panose="02070309020205020404" pitchFamily="49" charset="0"/>
               <a:buChar char="o"/>
@@ -7901,7 +7979,7 @@
           <a:p>
             <a:pPr marL="1371600" lvl="2" indent="-457200">
               <a:spcAft>
-                <a:spcPts val="600"/>
+                <a:spcPts val="0"/>
               </a:spcAft>
               <a:buFont typeface="Courier New" panose="02070309020205020404" pitchFamily="49" charset="0"/>
               <a:buChar char="o"/>
@@ -7914,7 +7992,7 @@
           <a:p>
             <a:pPr marL="914400" lvl="1" indent="-457200">
               <a:spcAft>
-                <a:spcPts val="600"/>
+                <a:spcPts val="0"/>
               </a:spcAft>
               <a:buFont typeface="Courier New" panose="02070309020205020404" pitchFamily="49" charset="0"/>
               <a:buChar char="o"/>
@@ -7931,7 +8009,7 @@
           <a:p>
             <a:pPr marL="1371600" lvl="2" indent="-457200">
               <a:spcAft>
-                <a:spcPts val="600"/>
+                <a:spcPts val="0"/>
               </a:spcAft>
               <a:buFont typeface="Courier New" panose="02070309020205020404" pitchFamily="49" charset="0"/>
               <a:buChar char="o"/>
@@ -7945,7 +8023,7 @@
           <a:p>
             <a:pPr marL="1371600" lvl="2" indent="-457200">
               <a:spcAft>
-                <a:spcPts val="600"/>
+                <a:spcPts val="0"/>
               </a:spcAft>
               <a:buFont typeface="Courier New" panose="02070309020205020404" pitchFamily="49" charset="0"/>
               <a:buChar char="o"/>
@@ -7955,7 +8033,7 @@
           <a:p>
             <a:pPr marL="914400" lvl="1" indent="-457200">
               <a:spcAft>
-                <a:spcPts val="600"/>
+                <a:spcPts val="0"/>
               </a:spcAft>
               <a:buFont typeface="Courier New" panose="02070309020205020404" pitchFamily="49" charset="0"/>
               <a:buChar char="o"/>
@@ -9977,13 +10055,8 @@
             </a:pPr>
             <a:r>
               <a:rPr lang="cs-CZ" sz="3600" b="0" dirty="0"/>
-              <a:t>Libovolný online </a:t>
-            </a:r>
-            <a:r>
-              <a:rPr lang="cs-CZ" sz="3600" b="0" dirty="0" err="1"/>
-              <a:t>formátor</a:t>
-            </a:r>
-            <a:endParaRPr lang="cs-CZ" sz="3600" b="0" dirty="0"/>
+              <a:t>Libovolný online procesor</a:t>
+            </a:r>
           </a:p>
           <a:p>
             <a:pPr marL="800100" lvl="1" indent="-342900">
@@ -10040,12 +10113,12 @@
               <a:buChar char="o"/>
             </a:pPr>
             <a:r>
-              <a:rPr lang="en-US" sz="3600" b="0" dirty="0">
+              <a:rPr lang="en-US" sz="3600" b="0" i="1" dirty="0">
                 <a:hlinkClick r:id="rId5"/>
               </a:rPr>
               <a:t>https://markdownlivepreview.com/</a:t>
             </a:r>
-            <a:endParaRPr lang="cs-CZ" sz="3600" b="0" dirty="0"/>
+            <a:endParaRPr lang="cs-CZ" sz="3600" b="0" i="1" dirty="0"/>
           </a:p>
           <a:p>
             <a:pPr marL="800100" lvl="1" indent="-342900">
